--- a/2-python/PythonPrimer.pptx
+++ b/2-python/PythonPrimer.pptx
@@ -5624,19 +5624,7 @@
             <a:pPr lvl="1"/>
             <a:r>
               <a:rPr lang="en-US" dirty="0" smtClean="0"/>
-              <a:t>Select</a:t>
-            </a:r>
-            <a:r>
-              <a:rPr lang="en-US" dirty="0" smtClean="0"/>
-              <a:t> </a:t>
-            </a:r>
-            <a:r>
-              <a:rPr lang="en-US" dirty="0" smtClean="0"/>
-              <a:t>GNOME </a:t>
-            </a:r>
-            <a:r>
-              <a:rPr lang="en-US" dirty="0" smtClean="0"/>
-              <a:t>Desktop</a:t>
+              <a:t>Select GNOME Desktop</a:t>
             </a:r>
           </a:p>
           <a:p>
@@ -5645,7 +5633,6 @@
               <a:rPr lang="en-US" dirty="0" smtClean="0"/>
               <a:t>Click Launch</a:t>
             </a:r>
-            <a:endParaRPr lang="en-US" dirty="0" smtClean="0"/>
           </a:p>
           <a:p>
             <a:pPr lvl="1"/>
@@ -5785,9 +5772,20 @@
           <a:p>
             <a:r>
               <a:rPr lang="en-US" dirty="0" smtClean="0"/>
-              <a:t>Pull today’s materials from GitHub</a:t>
-            </a:r>
-            <a:endParaRPr lang="en-US" dirty="0"/>
+              <a:t>Pull today’s materials from </a:t>
+            </a:r>
+            <a:r>
+              <a:rPr lang="en-US" dirty="0" smtClean="0"/>
+              <a:t>GitHub</a:t>
+            </a:r>
+          </a:p>
+          <a:p>
+            <a:pPr lvl="1"/>
+            <a:r>
+              <a:rPr lang="en-US" b="1" dirty="0" smtClean="0"/>
+              <a:t>cd  ~/empirical-workshop-2020</a:t>
+            </a:r>
+            <a:endParaRPr lang="en-US" b="1" dirty="0"/>
           </a:p>
           <a:p>
             <a:pPr lvl="1"/>
@@ -5803,8 +5801,24 @@
           <a:p>
             <a:r>
               <a:rPr lang="en-US" dirty="0" smtClean="0"/>
-              <a:t>If you have uncommitted changes</a:t>
-            </a:r>
+              <a:t>If you have uncommitted </a:t>
+            </a:r>
+            <a:r>
+              <a:rPr lang="en-US" dirty="0" smtClean="0"/>
+              <a:t>changes</a:t>
+            </a:r>
+          </a:p>
+          <a:p>
+            <a:pPr lvl="1"/>
+            <a:r>
+              <a:rPr lang="en-US" b="1" dirty="0"/>
+              <a:t>cd </a:t>
+            </a:r>
+            <a:r>
+              <a:rPr lang="en-US" b="1" dirty="0" smtClean="0"/>
+              <a:t> ~/empirical-workshop-2020</a:t>
+            </a:r>
+            <a:endParaRPr lang="en-US" b="1" dirty="0" smtClean="0"/>
           </a:p>
           <a:p>
             <a:pPr lvl="1"/>

--- a/2-python/PythonPrimer.pptx
+++ b/2-python/PythonPrimer.pptx
@@ -4351,8 +4351,17 @@
             </a:br>
             <a:r>
               <a:rPr lang="en-US" sz="2400" dirty="0"/>
-              <a:t>Data Skills for Empirical Research (DRAFT)</a:t>
-            </a:r>
+              <a:t>Data Skills for </a:t>
+            </a:r>
+            <a:r>
+              <a:rPr lang="en-US" sz="2400"/>
+              <a:t>Empirical </a:t>
+            </a:r>
+            <a:r>
+              <a:rPr lang="en-US" sz="2400" smtClean="0"/>
+              <a:t>Research</a:t>
+            </a:r>
+            <a:endParaRPr lang="en-US" sz="2400" dirty="0"/>
           </a:p>
         </p:txBody>
       </p:sp>
@@ -5772,11 +5781,7 @@
           <a:p>
             <a:r>
               <a:rPr lang="en-US" dirty="0" smtClean="0"/>
-              <a:t>Pull today’s materials from </a:t>
-            </a:r>
-            <a:r>
-              <a:rPr lang="en-US" dirty="0" smtClean="0"/>
-              <a:t>GitHub</a:t>
+              <a:t>Pull today’s materials from GitHub</a:t>
             </a:r>
           </a:p>
           <a:p>
@@ -5801,11 +5806,7 @@
           <a:p>
             <a:r>
               <a:rPr lang="en-US" dirty="0" smtClean="0"/>
-              <a:t>If you have uncommitted </a:t>
-            </a:r>
-            <a:r>
-              <a:rPr lang="en-US" dirty="0" smtClean="0"/>
-              <a:t>changes</a:t>
+              <a:t>If you have uncommitted changes</a:t>
             </a:r>
           </a:p>
           <a:p>
@@ -5818,7 +5819,6 @@
               <a:rPr lang="en-US" b="1" dirty="0" smtClean="0"/>
               <a:t> ~/empirical-workshop-2020</a:t>
             </a:r>
-            <a:endParaRPr lang="en-US" b="1" dirty="0" smtClean="0"/>
           </a:p>
           <a:p>
             <a:pPr lvl="1"/>
